--- a/포트폴리오/GitHub_Hosting/다운로드 압축 파일/로또 번호 추천 프로그램/로또 번호 추천 프로그램 - 양화영.pptx
+++ b/포트폴리오/GitHub_Hosting/다운로드 압축 파일/로또 번호 추천 프로그램/로또 번호 추천 프로그램 - 양화영.pptx
@@ -294,7 +294,7 @@
                 </a:solidFill>
               </a:rPr>
               <a:pPr/>
-              <a:t>2021-05-14</a:t>
+              <a:t>2021-05-17</a:t>
             </a:fld>
             <a:endParaRPr lang="ko-KR" altLang="en-US">
               <a:solidFill>
@@ -524,7 +524,7 @@
                 </a:solidFill>
               </a:rPr>
               <a:pPr/>
-              <a:t>2021-05-14</a:t>
+              <a:t>2021-05-17</a:t>
             </a:fld>
             <a:endParaRPr lang="ko-KR" altLang="en-US">
               <a:solidFill>
@@ -764,7 +764,7 @@
                 </a:solidFill>
               </a:rPr>
               <a:pPr/>
-              <a:t>2021-05-14</a:t>
+              <a:t>2021-05-17</a:t>
             </a:fld>
             <a:endParaRPr lang="ko-KR" altLang="en-US">
               <a:solidFill>
@@ -994,7 +994,7 @@
                 </a:solidFill>
               </a:rPr>
               <a:pPr/>
-              <a:t>2021-05-14</a:t>
+              <a:t>2021-05-17</a:t>
             </a:fld>
             <a:endParaRPr lang="ko-KR" altLang="en-US">
               <a:solidFill>
@@ -1301,7 +1301,7 @@
                 </a:solidFill>
               </a:rPr>
               <a:pPr/>
-              <a:t>2021-05-14</a:t>
+              <a:t>2021-05-17</a:t>
             </a:fld>
             <a:endParaRPr lang="ko-KR" altLang="en-US">
               <a:solidFill>
@@ -1598,7 +1598,7 @@
                 </a:solidFill>
               </a:rPr>
               <a:pPr/>
-              <a:t>2021-05-14</a:t>
+              <a:t>2021-05-17</a:t>
             </a:fld>
             <a:endParaRPr lang="ko-KR" altLang="en-US">
               <a:solidFill>
@@ -2042,7 +2042,7 @@
                 </a:solidFill>
               </a:rPr>
               <a:pPr/>
-              <a:t>2021-05-14</a:t>
+              <a:t>2021-05-17</a:t>
             </a:fld>
             <a:endParaRPr lang="ko-KR" altLang="en-US">
               <a:solidFill>
@@ -2215,7 +2215,7 @@
                 </a:solidFill>
               </a:rPr>
               <a:pPr/>
-              <a:t>2021-05-14</a:t>
+              <a:t>2021-05-17</a:t>
             </a:fld>
             <a:endParaRPr lang="ko-KR" altLang="en-US">
               <a:solidFill>
@@ -2360,7 +2360,7 @@
                 </a:solidFill>
               </a:rPr>
               <a:pPr/>
-              <a:t>2021-05-14</a:t>
+              <a:t>2021-05-17</a:t>
             </a:fld>
             <a:endParaRPr lang="ko-KR" altLang="en-US">
               <a:solidFill>
@@ -2703,7 +2703,7 @@
                 </a:solidFill>
               </a:rPr>
               <a:pPr/>
-              <a:t>2021-05-14</a:t>
+              <a:t>2021-05-17</a:t>
             </a:fld>
             <a:endParaRPr lang="ko-KR" altLang="en-US">
               <a:solidFill>
@@ -3023,7 +3023,7 @@
                 </a:solidFill>
               </a:rPr>
               <a:pPr/>
-              <a:t>2021-05-14</a:t>
+              <a:t>2021-05-17</a:t>
             </a:fld>
             <a:endParaRPr lang="ko-KR" altLang="en-US">
               <a:solidFill>
@@ -3296,7 +3296,7 @@
                 </a:solidFill>
               </a:rPr>
               <a:pPr/>
-              <a:t>2021-05-14</a:t>
+              <a:t>2021-05-17</a:t>
             </a:fld>
             <a:endParaRPr lang="ko-KR" altLang="en-US">
               <a:solidFill>
@@ -3908,15 +3908,7 @@
                   <a:srgbClr val="5B6176"/>
                 </a:solidFill>
               </a:rPr>
-              <a:t>로또 번호 </a:t>
-            </a:r>
-            <a:r>
-              <a:rPr lang="ko-KR" altLang="en-US" sz="2800" b="1" i="1" kern="0" dirty="0" smtClean="0">
-                <a:solidFill>
-                  <a:srgbClr val="5B6176"/>
-                </a:solidFill>
-              </a:rPr>
-              <a:t>추천</a:t>
+              <a:t>로또 번호 추천</a:t>
             </a:r>
             <a:endParaRPr lang="en-US" altLang="ko-KR" sz="2800" b="1" i="1" kern="0" dirty="0" smtClean="0">
               <a:solidFill>
@@ -11762,7 +11754,7 @@
           <p:nvPr>
             <p:extLst>
               <p:ext uri="{D42A27DB-BD31-4B8C-83A1-F6EECF244321}">
-                <p14:modId xmlns:p14="http://schemas.microsoft.com/office/powerpoint/2010/main" val="2824292010"/>
+                <p14:modId xmlns:p14="http://schemas.microsoft.com/office/powerpoint/2010/main" val="3151230380"/>
               </p:ext>
             </p:extLst>
           </p:nvPr>
@@ -12208,26 +12200,6 @@
                         <a:defRPr/>
                       </a:pPr>
                       <a:r>
-                        <a:rPr kumimoji="0" lang="en-US" altLang="ko-KR" sz="1400" b="1" i="0" u="none" strike="noStrike" kern="1200" cap="none" spc="0" normalizeH="0" baseline="0" noProof="0" dirty="0" smtClean="0">
-                          <a:ln>
-                            <a:noFill/>
-                          </a:ln>
-                          <a:solidFill>
-                            <a:schemeClr val="tx1">
-                              <a:lumMod val="75000"/>
-                              <a:lumOff val="25000"/>
-                            </a:schemeClr>
-                          </a:solidFill>
-                          <a:effectLst/>
-                          <a:uLnTx/>
-                          <a:uFillTx/>
-                          <a:latin typeface="+mn-lt"/>
-                          <a:ea typeface="+mn-ea"/>
-                          <a:cs typeface="+mn-cs"/>
-                        </a:rPr>
-                        <a:t>Form </a:t>
-                      </a:r>
-                      <a:r>
                         <a:rPr kumimoji="0" lang="ko-KR" altLang="en-US" sz="1400" b="1" i="0" u="none" strike="noStrike" kern="1200" cap="none" spc="0" normalizeH="0" baseline="0" noProof="0" dirty="0" smtClean="0">
                           <a:ln>
                             <a:noFill/>
@@ -12245,7 +12217,7 @@
                           <a:ea typeface="+mn-ea"/>
                           <a:cs typeface="+mn-cs"/>
                         </a:rPr>
-                        <a:t>연결</a:t>
+                        <a:t>공급자 문제</a:t>
                       </a:r>
                       <a:endParaRPr kumimoji="0" lang="en-US" altLang="ko-KR" sz="1400" b="1" i="0" u="none" strike="noStrike" kern="1200" cap="none" spc="0" normalizeH="0" baseline="0" noProof="0" dirty="0" smtClean="0">
                         <a:ln>
@@ -12346,47 +12318,7 @@
                           <a:ea typeface="+mn-ea"/>
                           <a:cs typeface="+mn-cs"/>
                         </a:rPr>
-                        <a:t>엑셀이 연동된 </a:t>
-                      </a:r>
-                      <a:r>
-                        <a:rPr kumimoji="0" lang="en-US" altLang="ko-KR" sz="1050" b="0" i="0" u="none" strike="noStrike" kern="1200" cap="none" spc="0" normalizeH="0" baseline="0" noProof="0" dirty="0" smtClean="0">
-                          <a:ln>
-                            <a:noFill/>
-                          </a:ln>
-                          <a:solidFill>
-                            <a:schemeClr val="tx1">
-                              <a:lumMod val="75000"/>
-                              <a:lumOff val="25000"/>
-                            </a:schemeClr>
-                          </a:solidFill>
-                          <a:effectLst/>
-                          <a:uLnTx/>
-                          <a:uFillTx/>
-                          <a:latin typeface="+mn-lt"/>
-                          <a:ea typeface="+mn-ea"/>
-                          <a:cs typeface="+mn-cs"/>
-                        </a:rPr>
-                        <a:t>Form</a:t>
-                      </a:r>
-                      <a:r>
-                        <a:rPr kumimoji="0" lang="ko-KR" altLang="en-US" sz="1050" b="0" i="0" u="none" strike="noStrike" kern="1200" cap="none" spc="0" normalizeH="0" baseline="0" noProof="0" dirty="0" smtClean="0">
-                          <a:ln>
-                            <a:noFill/>
-                          </a:ln>
-                          <a:solidFill>
-                            <a:schemeClr val="tx1">
-                              <a:lumMod val="75000"/>
-                              <a:lumOff val="25000"/>
-                            </a:schemeClr>
-                          </a:solidFill>
-                          <a:effectLst/>
-                          <a:uLnTx/>
-                          <a:uFillTx/>
-                          <a:latin typeface="+mn-lt"/>
-                          <a:ea typeface="+mn-ea"/>
-                          <a:cs typeface="+mn-cs"/>
-                        </a:rPr>
-                        <a:t>까지의 연결이 매끄럽지 않아</a:t>
+                        <a:t>엑셀을 연동할 때 일부 컴퓨터에서 공급자 문제가 발생하는데</a:t>
                       </a:r>
                       <a:endParaRPr kumimoji="0" lang="en-US" altLang="ko-KR" sz="1050" b="0" i="0" u="none" strike="noStrike" kern="1200" cap="none" spc="0" normalizeH="0" baseline="0" noProof="0" dirty="0" smtClean="0">
                         <a:ln>
@@ -12442,7 +12374,63 @@
                           <a:ea typeface="+mn-ea"/>
                           <a:cs typeface="+mn-cs"/>
                         </a:rPr>
-                        <a:t>초반 사용에 불편함이 있어 보입니다</a:t>
+                        <a:t>이를 사용자가 처리하기에는 번거로움이 있어</a:t>
+                      </a:r>
+                      <a:endParaRPr kumimoji="0" lang="en-US" altLang="ko-KR" sz="1050" b="0" i="0" u="none" strike="noStrike" kern="1200" cap="none" spc="0" normalizeH="0" baseline="0" noProof="0" dirty="0" smtClean="0">
+                        <a:ln>
+                          <a:noFill/>
+                        </a:ln>
+                        <a:solidFill>
+                          <a:schemeClr val="tx1">
+                            <a:lumMod val="75000"/>
+                            <a:lumOff val="25000"/>
+                          </a:schemeClr>
+                        </a:solidFill>
+                        <a:effectLst/>
+                        <a:uLnTx/>
+                        <a:uFillTx/>
+                        <a:latin typeface="+mn-lt"/>
+                        <a:ea typeface="+mn-ea"/>
+                        <a:cs typeface="+mn-cs"/>
+                      </a:endParaRPr>
+                    </a:p>
+                    <a:p>
+                      <a:pPr marL="0" marR="0" lvl="0" indent="0" algn="ctr" defTabSz="914400" rtl="0" eaLnBrk="1" fontAlgn="auto" latinLnBrk="1" hangingPunct="1">
+                        <a:lnSpc>
+                          <a:spcPct val="150000"/>
+                        </a:lnSpc>
+                        <a:spcBef>
+                          <a:spcPts val="0"/>
+                        </a:spcBef>
+                        <a:spcAft>
+                          <a:spcPts val="0"/>
+                        </a:spcAft>
+                        <a:buClrTx/>
+                        <a:buSzTx/>
+                        <a:buFontTx/>
+                        <a:buNone/>
+                        <a:tabLst/>
+                        <a:defRPr/>
+                      </a:pPr>
+                      <a:r>
+                        <a:rPr kumimoji="0" lang="ko-KR" altLang="en-US" sz="1050" b="0" i="0" u="none" strike="noStrike" kern="1200" cap="none" spc="0" normalizeH="0" baseline="0" noProof="0" dirty="0" smtClean="0">
+                          <a:ln>
+                            <a:noFill/>
+                          </a:ln>
+                          <a:solidFill>
+                            <a:schemeClr val="tx1">
+                              <a:lumMod val="75000"/>
+                              <a:lumOff val="25000"/>
+                            </a:schemeClr>
+                          </a:solidFill>
+                          <a:effectLst/>
+                          <a:uLnTx/>
+                          <a:uFillTx/>
+                          <a:latin typeface="+mn-lt"/>
+                          <a:ea typeface="+mn-ea"/>
+                          <a:cs typeface="+mn-cs"/>
+                        </a:rPr>
+                        <a:t>보완이 필요합니다</a:t>
                       </a:r>
                       <a:r>
                         <a:rPr kumimoji="0" lang="en-US" altLang="ko-KR" sz="1050" b="0" i="0" u="none" strike="noStrike" kern="1200" cap="none" spc="0" normalizeH="0" baseline="0" noProof="0" dirty="0" smtClean="0">
@@ -12654,7 +12642,27 @@
                           <a:ea typeface="+mn-ea"/>
                           <a:cs typeface="+mn-cs"/>
                         </a:rPr>
-                        <a:t>엑셀 파일을 매번 수정해야 되는 번거로움이 있어</a:t>
+                        <a:t>엑셀 파일을 매번 수정해야 </a:t>
+                      </a:r>
+                      <a:r>
+                        <a:rPr kumimoji="0" lang="ko-KR" altLang="en-US" sz="1050" b="0" i="0" u="none" strike="noStrike" kern="1200" cap="none" spc="0" normalizeH="0" baseline="0" noProof="0" dirty="0" smtClean="0">
+                          <a:ln>
+                            <a:noFill/>
+                          </a:ln>
+                          <a:solidFill>
+                            <a:schemeClr val="tx1">
+                              <a:lumMod val="75000"/>
+                              <a:lumOff val="25000"/>
+                            </a:schemeClr>
+                          </a:solidFill>
+                          <a:effectLst/>
+                          <a:uLnTx/>
+                          <a:uFillTx/>
+                          <a:latin typeface="+mn-lt"/>
+                          <a:ea typeface="+mn-ea"/>
+                          <a:cs typeface="+mn-cs"/>
+                        </a:rPr>
+                        <a:t>되는 점이 발생해</a:t>
                       </a:r>
                       <a:endParaRPr kumimoji="0" lang="en-US" altLang="ko-KR" sz="1050" b="0" i="0" u="none" strike="noStrike" kern="1200" cap="none" spc="0" normalizeH="0" baseline="0" noProof="0" dirty="0" smtClean="0">
                         <a:ln>
